--- a/basic-reinforcement-learning/presentation/presentation.pptx
+++ b/basic-reinforcement-learning/presentation/presentation.pptx
@@ -192,7 +192,7 @@
           <a:p>
             <a:fld id="{1D8BD707-D9CF-40AE-B4C6-C98DA3205C09}" type="datetimeFigureOut">
               <a:rPr lang="en-US"/>
-              <a:t>4/25/25</a:t>
+              <a:t>4/26/25</a:t>
             </a:fld>
             <a:endParaRPr lang="en-US"/>
           </a:p>
@@ -369,7 +369,7 @@
           <a:p>
             <a:fld id="{1D8BD707-D9CF-40AE-B4C6-C98DA3205C09}" type="datetimeFigureOut">
               <a:rPr lang="en-US"/>
-              <a:t>4/25/25</a:t>
+              <a:t>4/26/25</a:t>
             </a:fld>
             <a:endParaRPr lang="en-US"/>
           </a:p>
@@ -583,7 +583,7 @@
           <a:p>
             <a:fld id="{1D8BD707-D9CF-40AE-B4C6-C98DA3205C09}" type="datetimeFigureOut">
               <a:rPr lang="en-US"/>
-              <a:t>4/25/25</a:t>
+              <a:t>4/26/25</a:t>
             </a:fld>
             <a:endParaRPr lang="en-US"/>
           </a:p>
@@ -838,7 +838,7 @@
           <a:p>
             <a:fld id="{1D8BD707-D9CF-40AE-B4C6-C98DA3205C09}" type="datetimeFigureOut">
               <a:rPr lang="en-US"/>
-              <a:t>4/25/25</a:t>
+              <a:t>4/26/25</a:t>
             </a:fld>
             <a:endParaRPr lang="en-US"/>
           </a:p>
@@ -957,7 +957,7 @@
           <a:p>
             <a:fld id="{1D8BD707-D9CF-40AE-B4C6-C98DA3205C09}" type="datetimeFigureOut">
               <a:rPr lang="en-US"/>
-              <a:t>4/25/25</a:t>
+              <a:t>4/26/25</a:t>
             </a:fld>
             <a:endParaRPr lang="en-US"/>
           </a:p>
@@ -1353,7 +1353,7 @@
           <a:p>
             <a:fld id="{1D8BD707-D9CF-40AE-B4C6-C98DA3205C09}" type="datetimeFigureOut">
               <a:rPr lang="en-US"/>
-              <a:t>4/25/25</a:t>
+              <a:t>4/26/25</a:t>
             </a:fld>
             <a:endParaRPr lang="en-US"/>
           </a:p>
@@ -2314,7 +2314,7 @@
         </p:nvSpPr>
         <p:spPr>
           <a:xfrm>
-            <a:off x="1350644" y="1828800"/>
+            <a:off x="1350644" y="2209800"/>
             <a:ext cx="8021956" cy="2591094"/>
           </a:xfrm>
           <a:prstGeom prst="rect">
@@ -3162,8 +3162,8 @@
         </p:nvSpPr>
         <p:spPr>
           <a:xfrm>
-            <a:off x="1371600" y="4687669"/>
-            <a:ext cx="8991600" cy="872418"/>
+            <a:off x="1371600" y="4569870"/>
+            <a:ext cx="8991600" cy="1524392"/>
           </a:xfrm>
           <a:prstGeom prst="rect">
             <a:avLst/>
@@ -3182,10 +3182,35 @@
               </a:lnSpc>
             </a:pPr>
             <a:r>
-              <a:rPr lang="en-GB" dirty="0">
+              <a:rPr lang="en-GB" sz="1600" dirty="0">
                 <a:latin typeface="Trebuchet MS" panose="020B0703020202090204" pitchFamily="34" charset="0"/>
               </a:rPr>
-              <a:t>Even those new to data science have their own version of reinforcement learning to figure out how models can produce the desired answers.</a:t>
+              <a:t>Human feedback: People (</a:t>
+            </a:r>
+            <a:r>
+              <a:rPr lang="en-GB" sz="1600" dirty="0" err="1">
+                <a:latin typeface="Trebuchet MS" panose="020B0703020202090204" pitchFamily="34" charset="0"/>
+              </a:rPr>
+              <a:t>labelers</a:t>
+            </a:r>
+            <a:r>
+              <a:rPr lang="en-GB" sz="1600" dirty="0">
+                <a:latin typeface="Trebuchet MS" panose="020B0703020202090204" pitchFamily="34" charset="0"/>
+              </a:rPr>
+              <a:t>) were shown multiple possible responses I could give to prompts. They ranked the responses from best to worst.</a:t>
+            </a:r>
+          </a:p>
+          <a:p>
+            <a:pPr>
+              <a:lnSpc>
+                <a:spcPct val="150000"/>
+              </a:lnSpc>
+            </a:pPr>
+            <a:r>
+              <a:rPr lang="en-GB" sz="1600" dirty="0">
+                <a:latin typeface="Trebuchet MS" panose="020B0703020202090204" pitchFamily="34" charset="0"/>
+              </a:rPr>
+              <a:t>Reward model: This ranking data trained a model (e.g. ChatGPT) to predict which responses humans would prefer.</a:t>
             </a:r>
           </a:p>
         </p:txBody>
